--- a/CA M&S in DEVS-Suite Simulator v1.pptx
+++ b/CA M&S in DEVS-Suite Simulator v1.pptx
@@ -204,7 +204,7 @@
           <a:p>
             <a:fld id="{ACA84FB4-7320-4EC4-86E9-6B3E5CA484F4}" type="datetimeFigureOut">
               <a:rPr lang="en-US" smtClean="0"/>
-              <a:t>3/14/2017</a:t>
+              <a:t>3/15/2017</a:t>
             </a:fld>
             <a:endParaRPr lang="en-US"/>
           </a:p>
@@ -687,7 +687,7 @@
           <a:p>
             <a:fld id="{09672C5A-A7A7-43AD-8B13-F1C9038548B0}" type="datetime1">
               <a:rPr lang="en-US" smtClean="0"/>
-              <a:t>3/14/2017</a:t>
+              <a:t>3/15/2017</a:t>
             </a:fld>
             <a:endParaRPr lang="en-US"/>
           </a:p>
@@ -857,7 +857,7 @@
           <a:p>
             <a:fld id="{886E237F-8815-4A6C-8E3E-8BA04465DE81}" type="datetime1">
               <a:rPr lang="en-US" smtClean="0"/>
-              <a:t>3/14/2017</a:t>
+              <a:t>3/15/2017</a:t>
             </a:fld>
             <a:endParaRPr lang="en-US"/>
           </a:p>
@@ -1037,7 +1037,7 @@
           <a:p>
             <a:fld id="{B76A72F2-ECB1-4A02-8D35-55AA24937757}" type="datetime1">
               <a:rPr lang="en-US" smtClean="0"/>
-              <a:t>3/14/2017</a:t>
+              <a:t>3/15/2017</a:t>
             </a:fld>
             <a:endParaRPr lang="en-US"/>
           </a:p>
@@ -1207,7 +1207,7 @@
           <a:p>
             <a:fld id="{ABF0165D-46BE-47F3-8BE2-5A6305F2F552}" type="datetime1">
               <a:rPr lang="en-US" smtClean="0"/>
-              <a:t>3/14/2017</a:t>
+              <a:t>3/15/2017</a:t>
             </a:fld>
             <a:endParaRPr lang="en-US"/>
           </a:p>
@@ -1453,7 +1453,7 @@
           <a:p>
             <a:fld id="{79018F19-ED86-4392-AE1E-E41B5F752DE1}" type="datetime1">
               <a:rPr lang="en-US" smtClean="0"/>
-              <a:t>3/14/2017</a:t>
+              <a:t>3/15/2017</a:t>
             </a:fld>
             <a:endParaRPr lang="en-US"/>
           </a:p>
@@ -1685,7 +1685,7 @@
           <a:p>
             <a:fld id="{85F338EB-65A8-4FFC-8306-DAE8848F0427}" type="datetime1">
               <a:rPr lang="en-US" smtClean="0"/>
-              <a:t>3/14/2017</a:t>
+              <a:t>3/15/2017</a:t>
             </a:fld>
             <a:endParaRPr lang="en-US"/>
           </a:p>
@@ -2052,7 +2052,7 @@
           <a:p>
             <a:fld id="{FF2E09ED-37B3-4214-824F-BF0594D4B8D9}" type="datetime1">
               <a:rPr lang="en-US" smtClean="0"/>
-              <a:t>3/14/2017</a:t>
+              <a:t>3/15/2017</a:t>
             </a:fld>
             <a:endParaRPr lang="en-US"/>
           </a:p>
@@ -2170,7 +2170,7 @@
           <a:p>
             <a:fld id="{4B81EB63-DCD9-49F6-AA10-74AB1BCA1DFD}" type="datetime1">
               <a:rPr lang="en-US" smtClean="0"/>
-              <a:t>3/14/2017</a:t>
+              <a:t>3/15/2017</a:t>
             </a:fld>
             <a:endParaRPr lang="en-US"/>
           </a:p>
@@ -2265,7 +2265,7 @@
           <a:p>
             <a:fld id="{3057143C-84C7-4CF0-B12B-11653A7BF7BC}" type="datetime1">
               <a:rPr lang="en-US" smtClean="0"/>
-              <a:t>3/14/2017</a:t>
+              <a:t>3/15/2017</a:t>
             </a:fld>
             <a:endParaRPr lang="en-US"/>
           </a:p>
@@ -2542,7 +2542,7 @@
           <a:p>
             <a:fld id="{393F2D68-0CC7-429E-BC41-F038505B1046}" type="datetime1">
               <a:rPr lang="en-US" smtClean="0"/>
-              <a:t>3/14/2017</a:t>
+              <a:t>3/15/2017</a:t>
             </a:fld>
             <a:endParaRPr lang="en-US"/>
           </a:p>
@@ -2795,7 +2795,7 @@
           <a:p>
             <a:fld id="{7525CB92-C17B-4849-BE48-C0326CBCFD6D}" type="datetime1">
               <a:rPr lang="en-US" smtClean="0"/>
-              <a:t>3/14/2017</a:t>
+              <a:t>3/15/2017</a:t>
             </a:fld>
             <a:endParaRPr lang="en-US"/>
           </a:p>
@@ -3008,7 +3008,7 @@
           <a:p>
             <a:fld id="{151634EB-5CF6-4D3D-B11A-48C3843D49CC}" type="datetime1">
               <a:rPr lang="en-US" smtClean="0"/>
-              <a:t>3/14/2017</a:t>
+              <a:t>3/15/2017</a:t>
             </a:fld>
             <a:endParaRPr lang="en-US"/>
           </a:p>
@@ -3489,6 +3489,13 @@
   <p:clrMapOvr>
     <a:masterClrMapping/>
   </p:clrMapOvr>
+  <p:timing>
+    <p:tnLst>
+      <p:par>
+        <p:cTn id="1" dur="indefinite" restart="never" nodeType="tmRoot"/>
+      </p:par>
+    </p:tnLst>
+  </p:timing>
 </p:sld>
 </file>
 
@@ -3549,25 +3556,8 @@
           <a:p>
             <a:r>
               <a:rPr lang="en-US" dirty="0" smtClean="0"/>
-              <a:t>Add a textbox (positive </a:t>
-            </a:r>
-            <a:r>
-              <a:rPr lang="en-US" dirty="0" smtClean="0"/>
-              <a:t>integer </a:t>
-            </a:r>
-            <a:r>
-              <a:rPr lang="en-US" dirty="0" smtClean="0"/>
-              <a:t>number) for setting the duration of playback (nex</a:t>
-            </a:r>
-            <a:r>
-              <a:rPr lang="en-US" dirty="0" smtClean="0"/>
-              <a:t>t to </a:t>
-            </a:r>
-            <a:r>
-              <a:rPr lang="en-US" dirty="0" smtClean="0"/>
-              <a:t>the slider)</a:t>
-            </a:r>
-            <a:endParaRPr lang="en-US" dirty="0" smtClean="0"/>
+              <a:t>Add a textbox (positive integer number) for setting the duration of playback (next to the slider)</a:t>
+            </a:r>
           </a:p>
           <a:p>
             <a:r>
@@ -3583,32 +3573,13 @@
           </a:p>
           <a:p>
             <a:r>
-              <a:rPr lang="en-US" dirty="0"/>
-              <a:t>Changing updates at run-time – implications including accurate start and end </a:t>
-            </a:r>
-            <a:r>
-              <a:rPr lang="en-US" dirty="0" smtClean="0"/>
-              <a:t>times </a:t>
-            </a:r>
-            <a:r>
-              <a:rPr lang="en-US" dirty="0"/>
-              <a:t>(adding start and end time for animation)</a:t>
-            </a:r>
-          </a:p>
-          <a:p>
-            <a:r>
               <a:rPr lang="en-US" dirty="0" smtClean="0"/>
               <a:t>Number </a:t>
             </a:r>
             <a:r>
               <a:rPr lang="en-US" dirty="0" smtClean="0"/>
-              <a:t>of cells that have changed during the designated </a:t>
-            </a:r>
-            <a:r>
-              <a:rPr lang="en-US" dirty="0" smtClean="0"/>
-              <a:t>period</a:t>
-            </a:r>
-            <a:endParaRPr lang="en-US" dirty="0" smtClean="0"/>
+              <a:t>of cells that have changed during the designated period</a:t>
+            </a:r>
           </a:p>
         </p:txBody>
       </p:sp>
@@ -3645,6 +3616,13 @@
   <p:clrMapOvr>
     <a:masterClrMapping/>
   </p:clrMapOvr>
+  <p:timing>
+    <p:tnLst>
+      <p:par>
+        <p:cTn id="1" dur="indefinite" restart="never" nodeType="tmRoot"/>
+      </p:par>
+    </p:tnLst>
+  </p:timing>
 </p:sld>
 </file>
 
@@ -3682,11 +3660,7 @@
           <a:p>
             <a:r>
               <a:rPr lang="en-US" dirty="0" smtClean="0"/>
-              <a:t>CA Animation </a:t>
-            </a:r>
-            <a:r>
-              <a:rPr lang="en-US" dirty="0" smtClean="0"/>
-              <a:t>Speed</a:t>
+              <a:t>CA Animation Speed</a:t>
             </a:r>
             <a:endParaRPr lang="en-US" dirty="0"/>
           </a:p>
@@ -3727,17 +3701,28 @@
           <a:p>
             <a:r>
               <a:rPr lang="en-US" dirty="0" smtClean="0"/>
-              <a:t>Do the same for time view update factor</a:t>
-            </a:r>
-          </a:p>
-          <a:p>
+              <a:t>Do the same for time view update </a:t>
+            </a:r>
             <a:r>
               <a:rPr lang="en-US" dirty="0" smtClean="0"/>
-              <a:t>Allow user choose what </a:t>
+              <a:t>factor</a:t>
+            </a:r>
+          </a:p>
+          <a:p>
+            <a:r>
+              <a:rPr lang="en-US" dirty="0"/>
+              <a:t>Changing updates at run-time – implications including accurate start and end times (adding start and end time for animation</a:t>
             </a:r>
             <a:r>
               <a:rPr lang="en-US" dirty="0" smtClean="0"/>
-              <a:t>(state variables</a:t>
+              <a:t>)</a:t>
+            </a:r>
+            <a:endParaRPr lang="en-US" dirty="0" smtClean="0"/>
+          </a:p>
+          <a:p>
+            <a:r>
+              <a:rPr lang="en-US" dirty="0" smtClean="0"/>
+              <a:t>Allow user choose what (state variables</a:t>
             </a:r>
             <a:r>
               <a:rPr lang="en-US" dirty="0"/>
@@ -3745,13 +3730,8 @@
             </a:r>
             <a:r>
               <a:rPr lang="en-US" dirty="0" smtClean="0"/>
-              <a:t>using </a:t>
-            </a:r>
-            <a:r>
-              <a:rPr lang="en-US" dirty="0" smtClean="0"/>
-              <a:t>tooltip</a:t>
-            </a:r>
-            <a:endParaRPr lang="en-US" dirty="0" smtClean="0"/>
+              <a:t>using tooltip</a:t>
+            </a:r>
           </a:p>
           <a:p>
             <a:endParaRPr lang="en-US" dirty="0"/>
@@ -3791,6 +3771,13 @@
   <p:clrMapOvr>
     <a:masterClrMapping/>
   </p:clrMapOvr>
+  <p:timing>
+    <p:tnLst>
+      <p:par>
+        <p:cTn id="1" dur="indefinite" restart="never" nodeType="tmRoot"/>
+      </p:par>
+    </p:tnLst>
+  </p:timing>
 </p:sld>
 </file>
 
@@ -3861,11 +3848,7 @@
           <a:p>
             <a:r>
               <a:rPr lang="en-US" dirty="0" smtClean="0"/>
-              <a:t>Field </a:t>
-            </a:r>
-            <a:r>
-              <a:rPr lang="en-US" dirty="0" smtClean="0"/>
-              <a:t>of view (neighborhood coordinates)</a:t>
+              <a:t>Field of view (neighborhood coordinates)</a:t>
             </a:r>
           </a:p>
           <a:p>
@@ -3877,10 +3860,25 @@
           </a:p>
           <a:p>
             <a:r>
+              <a:rPr lang="en-US" dirty="0" err="1" smtClean="0"/>
+              <a:t>Hexago</a:t>
+            </a:r>
+            <a:r>
               <a:rPr lang="en-US" dirty="0" smtClean="0"/>
-              <a:t>Hexagon layout?</a:t>
-            </a:r>
-            <a:endParaRPr lang="en-US" dirty="0" smtClean="0"/>
+              <a:t>, </a:t>
+            </a:r>
+            <a:r>
+              <a:rPr lang="en-US" dirty="0" err="1" smtClean="0"/>
+              <a:t>etc</a:t>
+            </a:r>
+            <a:r>
+              <a:rPr lang="en-US" dirty="0" smtClean="0"/>
+              <a:t> </a:t>
+            </a:r>
+            <a:r>
+              <a:rPr lang="en-US" dirty="0" smtClean="0"/>
+              <a:t>layout?</a:t>
+            </a:r>
           </a:p>
           <a:p>
             <a:pPr marL="0" indent="0">
@@ -3923,6 +3921,13 @@
   <p:clrMapOvr>
     <a:masterClrMapping/>
   </p:clrMapOvr>
+  <p:timing>
+    <p:tnLst>
+      <p:par>
+        <p:cTn id="1" dur="indefinite" restart="never" nodeType="tmRoot"/>
+      </p:par>
+    </p:tnLst>
+  </p:timing>
 </p:sld>
 </file>
 
@@ -4001,18 +4006,19 @@
           <a:p>
             <a:r>
               <a:rPr lang="en-US" dirty="0" smtClean="0"/>
-              <a:t>Number of I/O </a:t>
+              <a:t>Number of I/O events</a:t>
+            </a:r>
+          </a:p>
+          <a:p>
+            <a:r>
+              <a:rPr lang="en-US" dirty="0"/>
+              <a:t>Torus </a:t>
             </a:r>
             <a:r>
               <a:rPr lang="en-US" dirty="0" smtClean="0"/>
-              <a:t>events</a:t>
-            </a:r>
-          </a:p>
-          <a:p>
-            <a:r>
-              <a:rPr lang="en-US" dirty="0"/>
-              <a:t>Torus neighborhood</a:t>
-            </a:r>
+              <a:t>neighborhood ?</a:t>
+            </a:r>
+            <a:endParaRPr lang="en-US" dirty="0"/>
           </a:p>
           <a:p>
             <a:endParaRPr lang="en-US" dirty="0" smtClean="0"/>
@@ -4115,11 +4121,7 @@
           <a:p>
             <a:r>
               <a:rPr lang="en-US" dirty="0" smtClean="0"/>
-              <a:t>Replacing </a:t>
-            </a:r>
-            <a:r>
-              <a:rPr lang="en-US" dirty="0" smtClean="0"/>
-              <a:t>explicit I/O couplings with direct connections (modularity)</a:t>
+              <a:t>Replacing explicit I/O couplings with direct connections (modularity)</a:t>
             </a:r>
           </a:p>
           <a:p>
@@ -4131,8 +4133,13 @@
           <a:p>
             <a:r>
               <a:rPr lang="en-US" dirty="0" smtClean="0"/>
-              <a:t>Exporting data to DB</a:t>
-            </a:r>
+              <a:t>Exporting data to </a:t>
+            </a:r>
+            <a:r>
+              <a:rPr lang="en-US" dirty="0" smtClean="0"/>
+              <a:t>DB (Gregg)</a:t>
+            </a:r>
+            <a:endParaRPr lang="en-US" dirty="0" smtClean="0"/>
           </a:p>
           <a:p>
             <a:r>
@@ -4159,8 +4166,13 @@
           <a:p>
             <a:r>
               <a:rPr lang="en-US" dirty="0" smtClean="0"/>
-              <a:t>Execution on multi-core (parallelization)</a:t>
-            </a:r>
+              <a:t>Execution on multi-core (parallelization</a:t>
+            </a:r>
+            <a:r>
+              <a:rPr lang="en-US" dirty="0" smtClean="0"/>
+              <a:t>)?</a:t>
+            </a:r>
+            <a:endParaRPr lang="en-US" dirty="0" smtClean="0"/>
           </a:p>
           <a:p>
             <a:endParaRPr lang="en-US" dirty="0" smtClean="0"/>
@@ -4977,7 +4989,7 @@
         </p:nvGrpSpPr>
         <p:grpSpPr>
           <a:xfrm>
-            <a:off x="6566263" y="3804409"/>
+            <a:off x="7286656" y="4407645"/>
             <a:ext cx="4651743" cy="2523704"/>
             <a:chOff x="6566263" y="3926335"/>
             <a:chExt cx="4651743" cy="2523704"/>
@@ -5453,6 +5465,13 @@
   <p:clrMapOvr>
     <a:masterClrMapping/>
   </p:clrMapOvr>
+  <p:timing>
+    <p:tnLst>
+      <p:par>
+        <p:cTn id="1" dur="indefinite" restart="never" nodeType="tmRoot"/>
+      </p:par>
+    </p:tnLst>
+  </p:timing>
 </p:sld>
 </file>
 
